--- a/Denmark_Map_2020 and 2020sofar.pptx
+++ b/Denmark_Map_2020 and 2020sofar.pptx
@@ -29185,77 +29185,6 @@
       </p:sp>
       <p:sp>
         <p:nvSpPr>
-          <p:cNvPr id="61" name="圆角矩形 45">
-            <a:extLst>
-              <a:ext uri="{FF2B5EF4-FFF2-40B4-BE49-F238E27FC236}">
-                <a16:creationId xmlns:a16="http://schemas.microsoft.com/office/drawing/2014/main" id="{B46B90E2-B893-43DC-A93B-79CAEDD75348}"/>
-              </a:ext>
-            </a:extLst>
-          </p:cNvPr>
-          <p:cNvSpPr/>
-          <p:nvPr/>
-        </p:nvSpPr>
-        <p:spPr>
-          <a:xfrm>
-            <a:off x="5238061" y="3863265"/>
-            <a:ext cx="358799" cy="127022"/>
-          </a:xfrm>
-          <a:prstGeom prst="roundRect">
-            <a:avLst>
-              <a:gd name="adj" fmla="val 50000"/>
-            </a:avLst>
-          </a:prstGeom>
-          <a:solidFill>
-            <a:schemeClr val="bg1">
-              <a:lumMod val="95000"/>
-            </a:schemeClr>
-          </a:solidFill>
-          <a:ln w="3175">
-            <a:solidFill>
-              <a:schemeClr val="tx1"/>
-            </a:solidFill>
-            <a:headEnd/>
-            <a:tailEnd/>
-          </a:ln>
-        </p:spPr>
-        <p:style>
-          <a:lnRef idx="2">
-            <a:schemeClr val="accent1"/>
-          </a:lnRef>
-          <a:fillRef idx="1">
-            <a:schemeClr val="lt1"/>
-          </a:fillRef>
-          <a:effectRef idx="0">
-            <a:schemeClr val="accent1"/>
-          </a:effectRef>
-          <a:fontRef idx="minor">
-            <a:schemeClr val="dk1"/>
-          </a:fontRef>
-        </p:style>
-        <p:txBody>
-          <a:bodyPr lIns="0" tIns="45703" rIns="0" bIns="45703" anchor="ctr" anchorCtr="1"/>
-          <a:lstStyle/>
-          <a:p>
-            <a:pPr algn="ctr" fontAlgn="base">
-              <a:spcBef>
-                <a:spcPct val="0"/>
-              </a:spcBef>
-              <a:spcAft>
-                <a:spcPct val="0"/>
-              </a:spcAft>
-            </a:pPr>
-            <a:r>
-              <a:rPr lang="en-US" altLang="zh-CN" sz="600" b="1" kern="0" dirty="0">
-                <a:latin typeface="Arial" panose="020B0604020202020204" pitchFamily="34" charset="0"/>
-                <a:cs typeface="Arial" panose="020B0604020202020204" pitchFamily="34" charset="0"/>
-              </a:rPr>
-              <a:t>Zealand</a:t>
-            </a:r>
-          </a:p>
-        </p:txBody>
-      </p:sp>
-      <p:sp>
-        <p:nvSpPr>
           <p:cNvPr id="62" name="圆角矩形 45">
             <a:extLst>
               <a:ext uri="{FF2B5EF4-FFF2-40B4-BE49-F238E27FC236}">
@@ -29836,6 +29765,77 @@
           </a:p>
         </p:txBody>
       </p:sp>
+      <p:sp>
+        <p:nvSpPr>
+          <p:cNvPr id="45" name="圆角矩形 45">
+            <a:extLst>
+              <a:ext uri="{FF2B5EF4-FFF2-40B4-BE49-F238E27FC236}">
+                <a16:creationId xmlns:a16="http://schemas.microsoft.com/office/drawing/2014/main" id="{EA026552-DE5E-4EDA-BE8D-F26CCE3D21FE}"/>
+              </a:ext>
+            </a:extLst>
+          </p:cNvPr>
+          <p:cNvSpPr/>
+          <p:nvPr/>
+        </p:nvSpPr>
+        <p:spPr>
+          <a:xfrm>
+            <a:off x="5271788" y="3837407"/>
+            <a:ext cx="640595" cy="115528"/>
+          </a:xfrm>
+          <a:prstGeom prst="roundRect">
+            <a:avLst>
+              <a:gd name="adj" fmla="val 50000"/>
+            </a:avLst>
+          </a:prstGeom>
+          <a:solidFill>
+            <a:schemeClr val="bg1">
+              <a:lumMod val="95000"/>
+            </a:schemeClr>
+          </a:solidFill>
+          <a:ln w="3175">
+            <a:solidFill>
+              <a:schemeClr val="tx1"/>
+            </a:solidFill>
+            <a:headEnd/>
+            <a:tailEnd/>
+          </a:ln>
+        </p:spPr>
+        <p:style>
+          <a:lnRef idx="2">
+            <a:schemeClr val="accent1"/>
+          </a:lnRef>
+          <a:fillRef idx="1">
+            <a:schemeClr val="lt1"/>
+          </a:fillRef>
+          <a:effectRef idx="0">
+            <a:schemeClr val="accent1"/>
+          </a:effectRef>
+          <a:fontRef idx="minor">
+            <a:schemeClr val="dk1"/>
+          </a:fontRef>
+        </p:style>
+        <p:txBody>
+          <a:bodyPr lIns="0" tIns="45703" rIns="0" bIns="45703" anchor="ctr" anchorCtr="1"/>
+          <a:lstStyle/>
+          <a:p>
+            <a:pPr algn="ctr" fontAlgn="base">
+              <a:spcBef>
+                <a:spcPct val="0"/>
+              </a:spcBef>
+              <a:spcAft>
+                <a:spcPct val="0"/>
+              </a:spcAft>
+            </a:pPr>
+            <a:r>
+              <a:rPr lang="en-US" altLang="zh-CN" sz="600" b="1" kern="0" dirty="0">
+                <a:latin typeface="Arial" panose="020B0604020202020204" pitchFamily="34" charset="0"/>
+                <a:cs typeface="Arial" panose="020B0604020202020204" pitchFamily="34" charset="0"/>
+              </a:rPr>
+              <a:t>Zealand Region</a:t>
+            </a:r>
+          </a:p>
+        </p:txBody>
+      </p:sp>
     </p:spTree>
     <p:extLst>
       <p:ext uri="{BB962C8B-B14F-4D97-AF65-F5344CB8AC3E}">
@@ -38341,8 +38341,8 @@
         </p:nvSpPr>
         <p:spPr>
           <a:xfrm>
-            <a:off x="5238061" y="3863265"/>
-            <a:ext cx="358799" cy="127022"/>
+            <a:off x="5252923" y="3848689"/>
+            <a:ext cx="640595" cy="115528"/>
           </a:xfrm>
           <a:prstGeom prst="roundRect">
             <a:avLst>
@@ -38393,7 +38393,7 @@
                 <a:latin typeface="Arial" panose="020B0604020202020204" pitchFamily="34" charset="0"/>
                 <a:cs typeface="Arial" panose="020B0604020202020204" pitchFamily="34" charset="0"/>
               </a:rPr>
-              <a:t>Zealand</a:t>
+              <a:t>Zealand Region</a:t>
             </a:r>
           </a:p>
         </p:txBody>
@@ -47474,77 +47474,6 @@
       </p:sp>
       <p:sp>
         <p:nvSpPr>
-          <p:cNvPr id="61" name="圆角矩形 45">
-            <a:extLst>
-              <a:ext uri="{FF2B5EF4-FFF2-40B4-BE49-F238E27FC236}">
-                <a16:creationId xmlns:a16="http://schemas.microsoft.com/office/drawing/2014/main" id="{B46B90E2-B893-43DC-A93B-79CAEDD75348}"/>
-              </a:ext>
-            </a:extLst>
-          </p:cNvPr>
-          <p:cNvSpPr/>
-          <p:nvPr/>
-        </p:nvSpPr>
-        <p:spPr>
-          <a:xfrm>
-            <a:off x="5238061" y="3863265"/>
-            <a:ext cx="358799" cy="127022"/>
-          </a:xfrm>
-          <a:prstGeom prst="roundRect">
-            <a:avLst>
-              <a:gd name="adj" fmla="val 50000"/>
-            </a:avLst>
-          </a:prstGeom>
-          <a:solidFill>
-            <a:schemeClr val="bg1">
-              <a:lumMod val="95000"/>
-            </a:schemeClr>
-          </a:solidFill>
-          <a:ln w="3175">
-            <a:solidFill>
-              <a:schemeClr val="tx1"/>
-            </a:solidFill>
-            <a:headEnd/>
-            <a:tailEnd/>
-          </a:ln>
-        </p:spPr>
-        <p:style>
-          <a:lnRef idx="2">
-            <a:schemeClr val="accent1"/>
-          </a:lnRef>
-          <a:fillRef idx="1">
-            <a:schemeClr val="lt1"/>
-          </a:fillRef>
-          <a:effectRef idx="0">
-            <a:schemeClr val="accent1"/>
-          </a:effectRef>
-          <a:fontRef idx="minor">
-            <a:schemeClr val="dk1"/>
-          </a:fontRef>
-        </p:style>
-        <p:txBody>
-          <a:bodyPr lIns="0" tIns="45703" rIns="0" bIns="45703" anchor="ctr" anchorCtr="1"/>
-          <a:lstStyle/>
-          <a:p>
-            <a:pPr algn="ctr" fontAlgn="base">
-              <a:spcBef>
-                <a:spcPct val="0"/>
-              </a:spcBef>
-              <a:spcAft>
-                <a:spcPct val="0"/>
-              </a:spcAft>
-            </a:pPr>
-            <a:r>
-              <a:rPr lang="en-US" altLang="zh-CN" sz="600" b="1" kern="0" dirty="0">
-                <a:latin typeface="Arial" panose="020B0604020202020204" pitchFamily="34" charset="0"/>
-                <a:cs typeface="Arial" panose="020B0604020202020204" pitchFamily="34" charset="0"/>
-              </a:rPr>
-              <a:t>Zealand</a:t>
-            </a:r>
-          </a:p>
-        </p:txBody>
-      </p:sp>
-      <p:sp>
-        <p:nvSpPr>
           <p:cNvPr id="62" name="圆角矩形 45">
             <a:extLst>
               <a:ext uri="{FF2B5EF4-FFF2-40B4-BE49-F238E27FC236}">
@@ -48122,6 +48051,77 @@
           <a:p>
             <a:pPr algn="ctr"/>
             <a:endParaRPr lang="da-DK"/>
+          </a:p>
+        </p:txBody>
+      </p:sp>
+      <p:sp>
+        <p:nvSpPr>
+          <p:cNvPr id="45" name="圆角矩形 45">
+            <a:extLst>
+              <a:ext uri="{FF2B5EF4-FFF2-40B4-BE49-F238E27FC236}">
+                <a16:creationId xmlns:a16="http://schemas.microsoft.com/office/drawing/2014/main" id="{C11F8167-B236-4D91-AEB6-375A0084BD56}"/>
+              </a:ext>
+            </a:extLst>
+          </p:cNvPr>
+          <p:cNvSpPr/>
+          <p:nvPr/>
+        </p:nvSpPr>
+        <p:spPr>
+          <a:xfrm>
+            <a:off x="5238061" y="3863265"/>
+            <a:ext cx="640595" cy="115528"/>
+          </a:xfrm>
+          <a:prstGeom prst="roundRect">
+            <a:avLst>
+              <a:gd name="adj" fmla="val 50000"/>
+            </a:avLst>
+          </a:prstGeom>
+          <a:solidFill>
+            <a:schemeClr val="bg1">
+              <a:lumMod val="95000"/>
+            </a:schemeClr>
+          </a:solidFill>
+          <a:ln w="3175">
+            <a:solidFill>
+              <a:schemeClr val="tx1"/>
+            </a:solidFill>
+            <a:headEnd/>
+            <a:tailEnd/>
+          </a:ln>
+        </p:spPr>
+        <p:style>
+          <a:lnRef idx="2">
+            <a:schemeClr val="accent1"/>
+          </a:lnRef>
+          <a:fillRef idx="1">
+            <a:schemeClr val="lt1"/>
+          </a:fillRef>
+          <a:effectRef idx="0">
+            <a:schemeClr val="accent1"/>
+          </a:effectRef>
+          <a:fontRef idx="minor">
+            <a:schemeClr val="dk1"/>
+          </a:fontRef>
+        </p:style>
+        <p:txBody>
+          <a:bodyPr lIns="0" tIns="45703" rIns="0" bIns="45703" anchor="ctr" anchorCtr="1"/>
+          <a:lstStyle/>
+          <a:p>
+            <a:pPr algn="ctr" fontAlgn="base">
+              <a:spcBef>
+                <a:spcPct val="0"/>
+              </a:spcBef>
+              <a:spcAft>
+                <a:spcPct val="0"/>
+              </a:spcAft>
+            </a:pPr>
+            <a:r>
+              <a:rPr lang="en-US" altLang="zh-CN" sz="600" b="1" kern="0" dirty="0">
+                <a:latin typeface="Arial" panose="020B0604020202020204" pitchFamily="34" charset="0"/>
+                <a:cs typeface="Arial" panose="020B0604020202020204" pitchFamily="34" charset="0"/>
+              </a:rPr>
+              <a:t>Zealand Region</a:t>
+            </a:r>
           </a:p>
         </p:txBody>
       </p:sp>

--- a/Denmark_Map_2020 and 2020sofar.pptx
+++ b/Denmark_Map_2020 and 2020sofar.pptx
@@ -20755,30 +20755,6 @@
           </a:p>
         </p:txBody>
       </p:sp>
-      <p:sp>
-        <p:nvSpPr>
-          <p:cNvPr id="218115" name="Rectangle 2"/>
-          <p:cNvSpPr>
-            <a:spLocks noGrp="1" noChangeArrowheads="1"/>
-          </p:cNvSpPr>
-          <p:nvPr>
-            <p:ph type="title" idx="4294967295"/>
-          </p:nvPr>
-        </p:nvSpPr>
-        <p:spPr/>
-        <p:txBody>
-          <a:bodyPr>
-            <a:noAutofit/>
-          </a:bodyPr>
-          <a:lstStyle/>
-          <a:p>
-            <a:r>
-              <a:rPr lang="en-US" altLang="zh-CN" dirty="0"/>
-              <a:t>Political map</a:t>
-            </a:r>
-          </a:p>
-        </p:txBody>
-      </p:sp>
       <p:grpSp>
         <p:nvGrpSpPr>
           <p:cNvPr id="15" name="组合 14"/>
@@ -22405,8 +22381,8 @@
               </a:custGeom>
               <a:solidFill>
                 <a:schemeClr val="accent1">
-                  <a:lumMod val="20000"/>
-                  <a:lumOff val="80000"/>
+                  <a:lumMod val="40000"/>
+                  <a:lumOff val="60000"/>
                 </a:schemeClr>
               </a:solidFill>
               <a:ln w="3175">
@@ -22560,8 +22536,8 @@
               </a:custGeom>
               <a:solidFill>
                 <a:schemeClr val="accent1">
-                  <a:lumMod val="20000"/>
-                  <a:lumOff val="80000"/>
+                  <a:lumMod val="40000"/>
+                  <a:lumOff val="60000"/>
                 </a:schemeClr>
               </a:solidFill>
               <a:ln w="3175">
@@ -22851,8 +22827,8 @@
               </a:custGeom>
               <a:solidFill>
                 <a:schemeClr val="accent1">
-                  <a:lumMod val="20000"/>
-                  <a:lumOff val="80000"/>
+                  <a:lumMod val="40000"/>
+                  <a:lumOff val="60000"/>
                 </a:schemeClr>
               </a:solidFill>
               <a:ln w="3175">
@@ -23460,8 +23436,7 @@
               </a:custGeom>
               <a:solidFill>
                 <a:schemeClr val="accent1">
-                  <a:lumMod val="20000"/>
-                  <a:lumOff val="80000"/>
+                  <a:lumMod val="75000"/>
                 </a:schemeClr>
               </a:solidFill>
               <a:ln w="3175">
@@ -23727,8 +23702,7 @@
               </a:custGeom>
               <a:solidFill>
                 <a:schemeClr val="accent1">
-                  <a:lumMod val="20000"/>
-                  <a:lumOff val="80000"/>
+                  <a:lumMod val="75000"/>
                 </a:schemeClr>
               </a:solidFill>
               <a:ln w="3175">
@@ -23922,8 +23896,7 @@
               </a:custGeom>
               <a:solidFill>
                 <a:schemeClr val="accent1">
-                  <a:lumMod val="20000"/>
-                  <a:lumOff val="80000"/>
+                  <a:lumMod val="75000"/>
                 </a:schemeClr>
               </a:solidFill>
               <a:ln w="3175">
@@ -24061,8 +24034,7 @@
               </a:custGeom>
               <a:solidFill>
                 <a:schemeClr val="accent1">
-                  <a:lumMod val="20000"/>
-                  <a:lumOff val="80000"/>
+                  <a:lumMod val="75000"/>
                 </a:schemeClr>
               </a:solidFill>
               <a:ln w="3175">
@@ -24873,8 +24845,8 @@
               </a:custGeom>
               <a:solidFill>
                 <a:schemeClr val="accent1">
-                  <a:lumMod val="20000"/>
-                  <a:lumOff val="80000"/>
+                  <a:lumMod val="40000"/>
+                  <a:lumOff val="60000"/>
                 </a:schemeClr>
               </a:solidFill>
               <a:ln w="3175">
@@ -25298,9 +25270,9 @@
                 </a:pathLst>
               </a:custGeom>
               <a:solidFill>
-                <a:schemeClr val="accent1">
-                  <a:lumMod val="20000"/>
-                  <a:lumOff val="80000"/>
+                <a:schemeClr val="tx2">
+                  <a:lumMod val="60000"/>
+                  <a:lumOff val="40000"/>
                 </a:schemeClr>
               </a:solidFill>
               <a:ln w="3175">
@@ -25573,9 +25545,9 @@
                 </a:pathLst>
               </a:custGeom>
               <a:solidFill>
-                <a:schemeClr val="accent1">
-                  <a:lumMod val="20000"/>
-                  <a:lumOff val="80000"/>
+                <a:schemeClr val="tx2">
+                  <a:lumMod val="60000"/>
+                  <a:lumOff val="40000"/>
                 </a:schemeClr>
               </a:solidFill>
               <a:ln w="3175">
@@ -25896,9 +25868,9 @@
                 </a:pathLst>
               </a:custGeom>
               <a:solidFill>
-                <a:schemeClr val="accent1">
-                  <a:lumMod val="20000"/>
-                  <a:lumOff val="80000"/>
+                <a:schemeClr val="tx2">
+                  <a:lumMod val="60000"/>
+                  <a:lumOff val="40000"/>
                 </a:schemeClr>
               </a:solidFill>
               <a:ln w="3175">
@@ -26669,9 +26641,9 @@
                 </a:pathLst>
               </a:custGeom>
               <a:solidFill>
-                <a:schemeClr val="accent1">
-                  <a:lumMod val="20000"/>
-                  <a:lumOff val="80000"/>
+                <a:schemeClr val="tx2">
+                  <a:lumMod val="60000"/>
+                  <a:lumOff val="40000"/>
                 </a:schemeClr>
               </a:solidFill>
               <a:ln w="3175">
@@ -26903,7 +26875,7 @@
                 </a:pathLst>
               </a:custGeom>
               <a:solidFill>
-                <a:schemeClr val="tx2">
+                <a:schemeClr val="accent1">
                   <a:lumMod val="75000"/>
                 </a:schemeClr>
               </a:solidFill>
@@ -27549,7 +27521,7 @@
                 </a:pathLst>
               </a:custGeom>
               <a:solidFill>
-                <a:schemeClr val="tx2">
+                <a:schemeClr val="accent1">
                   <a:lumMod val="75000"/>
                 </a:schemeClr>
               </a:solidFill>
@@ -27704,7 +27676,7 @@
                 </a:pathLst>
               </a:custGeom>
               <a:solidFill>
-                <a:schemeClr val="tx2">
+                <a:schemeClr val="accent1">
                   <a:lumMod val="75000"/>
                 </a:schemeClr>
               </a:solidFill>
@@ -27987,27 +27959,31 @@
               </a:custGeom>
               <a:solidFill>
                 <a:schemeClr val="accent1">
-                  <a:lumMod val="40000"/>
-                  <a:lumOff val="60000"/>
+                  <a:lumMod val="75000"/>
                 </a:schemeClr>
               </a:solidFill>
-              <a:ln w="3175" cmpd="sng">
+              <a:ln w="3175">
                 <a:solidFill>
                   <a:schemeClr val="tx1"/>
                 </a:solidFill>
-                <a:prstDash val="solid"/>
-                <a:round/>
                 <a:headEnd/>
                 <a:tailEnd/>
               </a:ln>
-              <a:effectLst>
-                <a:outerShdw dist="28398" dir="6993903" algn="ctr" rotWithShape="0">
-                  <a:srgbClr val="B2B2B2">
-                    <a:alpha val="50000"/>
-                  </a:srgbClr>
-                </a:outerShdw>
-              </a:effectLst>
             </p:spPr>
+            <p:style>
+              <a:lnRef idx="2">
+                <a:schemeClr val="accent1"/>
+              </a:lnRef>
+              <a:fillRef idx="1">
+                <a:schemeClr val="lt1"/>
+              </a:fillRef>
+              <a:effectRef idx="0">
+                <a:schemeClr val="accent1"/>
+              </a:effectRef>
+              <a:fontRef idx="minor">
+                <a:schemeClr val="dk1"/>
+              </a:fontRef>
+            </p:style>
             <p:txBody>
               <a:bodyPr/>
               <a:lstStyle/>
@@ -28856,8 +28832,7 @@
               </a:custGeom>
               <a:solidFill>
                 <a:schemeClr val="accent1">
-                  <a:lumMod val="40000"/>
-                  <a:lumOff val="60000"/>
+                  <a:lumMod val="75000"/>
                 </a:schemeClr>
               </a:solidFill>
               <a:ln w="3175">
@@ -29666,8 +29641,8 @@
         </p:nvSpPr>
         <p:spPr>
           <a:xfrm>
-            <a:off x="5283793" y="1298076"/>
-            <a:ext cx="729430" cy="918008"/>
+            <a:off x="5283792" y="1298076"/>
+            <a:ext cx="800375" cy="918008"/>
           </a:xfrm>
           <a:prstGeom prst="rect">
             <a:avLst/>
@@ -29686,11 +29661,11 @@
               </a:lnSpc>
             </a:pPr>
             <a:r>
-              <a:rPr lang="da-DK" sz="700" dirty="0">
+              <a:rPr lang="da-DK" sz="700" b="1" dirty="0">
                 <a:latin typeface="Arial" panose="020B0604020202020204" pitchFamily="34" charset="0"/>
                 <a:cs typeface="Arial" panose="020B0604020202020204" pitchFamily="34" charset="0"/>
               </a:rPr>
-              <a:t>=&gt; 400</a:t>
+              <a:t>&gt; 1 pct.</a:t>
             </a:r>
           </a:p>
           <a:p>
@@ -29700,11 +29675,11 @@
               </a:lnSpc>
             </a:pPr>
             <a:r>
-              <a:rPr lang="da-DK" sz="700" dirty="0">
+              <a:rPr lang="da-DK" sz="700" b="1" dirty="0">
                 <a:latin typeface="Arial" panose="020B0604020202020204" pitchFamily="34" charset="0"/>
                 <a:cs typeface="Arial" panose="020B0604020202020204" pitchFamily="34" charset="0"/>
               </a:rPr>
-              <a:t>320 - 399</a:t>
+              <a:t>0.81 – 1 pct.</a:t>
             </a:r>
           </a:p>
           <a:p>
@@ -29714,11 +29689,11 @@
               </a:lnSpc>
             </a:pPr>
             <a:r>
-              <a:rPr lang="da-DK" sz="700" dirty="0">
+              <a:rPr lang="da-DK" sz="700" b="1" dirty="0">
                 <a:latin typeface="Arial" panose="020B0604020202020204" pitchFamily="34" charset="0"/>
                 <a:cs typeface="Arial" panose="020B0604020202020204" pitchFamily="34" charset="0"/>
               </a:rPr>
-              <a:t>240 – 319</a:t>
+              <a:t>0.61 – 0.8 pct.</a:t>
             </a:r>
           </a:p>
           <a:p>
@@ -29728,11 +29703,11 @@
               </a:lnSpc>
             </a:pPr>
             <a:r>
-              <a:rPr lang="da-DK" sz="700" dirty="0">
+              <a:rPr lang="da-DK" sz="700" b="1" dirty="0">
                 <a:latin typeface="Arial" panose="020B0604020202020204" pitchFamily="34" charset="0"/>
                 <a:cs typeface="Arial" panose="020B0604020202020204" pitchFamily="34" charset="0"/>
               </a:rPr>
-              <a:t>160 - 239</a:t>
+              <a:t>0.41 – 0.6 pct.</a:t>
             </a:r>
           </a:p>
           <a:p>
@@ -29742,11 +29717,11 @@
               </a:lnSpc>
             </a:pPr>
             <a:r>
-              <a:rPr lang="da-DK" sz="700" dirty="0">
+              <a:rPr lang="da-DK" sz="700" b="1" dirty="0">
                 <a:latin typeface="Arial" panose="020B0604020202020204" pitchFamily="34" charset="0"/>
                 <a:cs typeface="Arial" panose="020B0604020202020204" pitchFamily="34" charset="0"/>
               </a:rPr>
-              <a:t>80 - 159</a:t>
+              <a:t>0.21 – 0.4 pct.</a:t>
             </a:r>
           </a:p>
           <a:p>
@@ -29756,11 +29731,11 @@
               </a:lnSpc>
             </a:pPr>
             <a:r>
-              <a:rPr lang="da-DK" sz="700" dirty="0">
+              <a:rPr lang="da-DK" sz="700" b="1" dirty="0">
                 <a:latin typeface="Arial" panose="020B0604020202020204" pitchFamily="34" charset="0"/>
                 <a:cs typeface="Arial" panose="020B0604020202020204" pitchFamily="34" charset="0"/>
               </a:rPr>
-              <a:t>&lt;= 79</a:t>
+              <a:t>0 – 0.2 pct.</a:t>
             </a:r>
           </a:p>
         </p:txBody>
@@ -29832,6 +29807,43 @@
                 <a:cs typeface="Arial" panose="020B0604020202020204" pitchFamily="34" charset="0"/>
               </a:rPr>
               <a:t>Zealand Region</a:t>
+            </a:r>
+          </a:p>
+        </p:txBody>
+      </p:sp>
+      <p:sp>
+        <p:nvSpPr>
+          <p:cNvPr id="5" name="Rektangel 4">
+            <a:extLst>
+              <a:ext uri="{FF2B5EF4-FFF2-40B4-BE49-F238E27FC236}">
+                <a16:creationId xmlns:a16="http://schemas.microsoft.com/office/drawing/2014/main" id="{98824FA6-83DB-4045-98AC-97338CCF1CD8}"/>
+              </a:ext>
+            </a:extLst>
+          </p:cNvPr>
+          <p:cNvSpPr/>
+          <p:nvPr/>
+        </p:nvSpPr>
+        <p:spPr>
+          <a:xfrm>
+            <a:off x="4021611" y="947941"/>
+            <a:ext cx="1043876" cy="369332"/>
+          </a:xfrm>
+          <a:prstGeom prst="rect">
+            <a:avLst/>
+          </a:prstGeom>
+        </p:spPr>
+        <p:txBody>
+          <a:bodyPr wrap="none">
+            <a:spAutoFit/>
+          </a:bodyPr>
+          <a:lstStyle/>
+          <a:p>
+            <a:r>
+              <a:rPr lang="da-DK" dirty="0">
+                <a:latin typeface="Arial" panose="020B0604020202020204" pitchFamily="34" charset="0"/>
+                <a:cs typeface="Arial" panose="020B0604020202020204" pitchFamily="34" charset="0"/>
+              </a:rPr>
+              <a:t>(a) 2010</a:t>
             </a:r>
           </a:p>
         </p:txBody>
@@ -41766,8 +41778,7 @@
               </a:custGeom>
               <a:solidFill>
                 <a:schemeClr val="accent1">
-                  <a:lumMod val="40000"/>
-                  <a:lumOff val="60000"/>
+                  <a:lumMod val="75000"/>
                 </a:schemeClr>
               </a:solidFill>
               <a:ln w="3175">
@@ -42033,8 +42044,7 @@
               </a:custGeom>
               <a:solidFill>
                 <a:schemeClr val="accent1">
-                  <a:lumMod val="40000"/>
-                  <a:lumOff val="60000"/>
+                  <a:lumMod val="75000"/>
                 </a:schemeClr>
               </a:solidFill>
               <a:ln w="3175">
@@ -42228,8 +42238,7 @@
               </a:custGeom>
               <a:solidFill>
                 <a:schemeClr val="accent1">
-                  <a:lumMod val="40000"/>
-                  <a:lumOff val="60000"/>
+                  <a:lumMod val="75000"/>
                 </a:schemeClr>
               </a:solidFill>
               <a:ln w="3175">
@@ -42367,8 +42376,7 @@
               </a:custGeom>
               <a:solidFill>
                 <a:schemeClr val="accent1">
-                  <a:lumMod val="40000"/>
-                  <a:lumOff val="60000"/>
+                  <a:lumMod val="75000"/>
                 </a:schemeClr>
               </a:solidFill>
               <a:ln w="3175">
@@ -43604,9 +43612,9 @@
                 </a:pathLst>
               </a:custGeom>
               <a:solidFill>
-                <a:schemeClr val="accent1">
-                  <a:lumMod val="40000"/>
-                  <a:lumOff val="60000"/>
+                <a:schemeClr val="tx2">
+                  <a:lumMod val="60000"/>
+                  <a:lumOff val="40000"/>
                 </a:schemeClr>
               </a:solidFill>
               <a:ln w="3175">
@@ -43879,9 +43887,9 @@
                 </a:pathLst>
               </a:custGeom>
               <a:solidFill>
-                <a:schemeClr val="accent1">
-                  <a:lumMod val="40000"/>
-                  <a:lumOff val="60000"/>
+                <a:schemeClr val="tx2">
+                  <a:lumMod val="60000"/>
+                  <a:lumOff val="40000"/>
                 </a:schemeClr>
               </a:solidFill>
               <a:ln w="3175">
@@ -44202,9 +44210,9 @@
                 </a:pathLst>
               </a:custGeom>
               <a:solidFill>
-                <a:schemeClr val="accent1">
-                  <a:lumMod val="40000"/>
-                  <a:lumOff val="60000"/>
+                <a:schemeClr val="tx2">
+                  <a:lumMod val="60000"/>
+                  <a:lumOff val="40000"/>
                 </a:schemeClr>
               </a:solidFill>
               <a:ln w="3175">
@@ -44975,9 +44983,9 @@
                 </a:pathLst>
               </a:custGeom>
               <a:solidFill>
-                <a:schemeClr val="accent1">
-                  <a:lumMod val="40000"/>
-                  <a:lumOff val="60000"/>
+                <a:schemeClr val="tx2">
+                  <a:lumMod val="60000"/>
+                  <a:lumOff val="40000"/>
                 </a:schemeClr>
               </a:solidFill>
               <a:ln w="3175">
@@ -46284,9 +46292,9 @@
                 </a:pathLst>
               </a:custGeom>
               <a:solidFill>
-                <a:schemeClr val="accent1">
-                  <a:lumMod val="40000"/>
-                  <a:lumOff val="60000"/>
+                <a:schemeClr val="tx2">
+                  <a:lumMod val="60000"/>
+                  <a:lumOff val="40000"/>
                 </a:schemeClr>
               </a:solidFill>
               <a:ln w="3175">
@@ -47149,9 +47157,9 @@
                 </a:pathLst>
               </a:custGeom>
               <a:solidFill>
-                <a:schemeClr val="accent1">
-                  <a:lumMod val="40000"/>
-                  <a:lumOff val="60000"/>
+                <a:schemeClr val="tx2">
+                  <a:lumMod val="60000"/>
+                  <a:lumOff val="40000"/>
                 </a:schemeClr>
               </a:solidFill>
               <a:ln w="3175">
@@ -47616,119 +47624,6 @@
       </p:sp>
       <p:sp>
         <p:nvSpPr>
-          <p:cNvPr id="4" name="Tekstfelt 3">
-            <a:extLst>
-              <a:ext uri="{FF2B5EF4-FFF2-40B4-BE49-F238E27FC236}">
-                <a16:creationId xmlns:a16="http://schemas.microsoft.com/office/drawing/2014/main" id="{4B497217-0C3D-43EE-905D-1392AFC316ED}"/>
-              </a:ext>
-            </a:extLst>
-          </p:cNvPr>
-          <p:cNvSpPr txBox="1"/>
-          <p:nvPr/>
-        </p:nvSpPr>
-        <p:spPr>
-          <a:xfrm>
-            <a:off x="5283793" y="1298076"/>
-            <a:ext cx="729430" cy="918008"/>
-          </a:xfrm>
-          <a:prstGeom prst="rect">
-            <a:avLst/>
-          </a:prstGeom>
-          <a:noFill/>
-        </p:spPr>
-        <p:txBody>
-          <a:bodyPr wrap="square" rtlCol="0">
-            <a:spAutoFit/>
-          </a:bodyPr>
-          <a:lstStyle/>
-          <a:p>
-            <a:pPr>
-              <a:lnSpc>
-                <a:spcPct val="130000"/>
-              </a:lnSpc>
-            </a:pPr>
-            <a:r>
-              <a:rPr lang="da-DK" sz="700" dirty="0">
-                <a:latin typeface="Arial" panose="020B0604020202020204" pitchFamily="34" charset="0"/>
-                <a:cs typeface="Arial" panose="020B0604020202020204" pitchFamily="34" charset="0"/>
-              </a:rPr>
-              <a:t>=&gt; 400</a:t>
-            </a:r>
-          </a:p>
-          <a:p>
-            <a:pPr>
-              <a:lnSpc>
-                <a:spcPct val="130000"/>
-              </a:lnSpc>
-            </a:pPr>
-            <a:r>
-              <a:rPr lang="da-DK" sz="700" dirty="0">
-                <a:latin typeface="Arial" panose="020B0604020202020204" pitchFamily="34" charset="0"/>
-                <a:cs typeface="Arial" panose="020B0604020202020204" pitchFamily="34" charset="0"/>
-              </a:rPr>
-              <a:t>320 - 399</a:t>
-            </a:r>
-          </a:p>
-          <a:p>
-            <a:pPr>
-              <a:lnSpc>
-                <a:spcPct val="130000"/>
-              </a:lnSpc>
-            </a:pPr>
-            <a:r>
-              <a:rPr lang="da-DK" sz="700" dirty="0">
-                <a:latin typeface="Arial" panose="020B0604020202020204" pitchFamily="34" charset="0"/>
-                <a:cs typeface="Arial" panose="020B0604020202020204" pitchFamily="34" charset="0"/>
-              </a:rPr>
-              <a:t>240 – 319</a:t>
-            </a:r>
-          </a:p>
-          <a:p>
-            <a:pPr>
-              <a:lnSpc>
-                <a:spcPct val="130000"/>
-              </a:lnSpc>
-            </a:pPr>
-            <a:r>
-              <a:rPr lang="da-DK" sz="700" dirty="0">
-                <a:latin typeface="Arial" panose="020B0604020202020204" pitchFamily="34" charset="0"/>
-                <a:cs typeface="Arial" panose="020B0604020202020204" pitchFamily="34" charset="0"/>
-              </a:rPr>
-              <a:t>160 - 239</a:t>
-            </a:r>
-          </a:p>
-          <a:p>
-            <a:pPr>
-              <a:lnSpc>
-                <a:spcPct val="130000"/>
-              </a:lnSpc>
-            </a:pPr>
-            <a:r>
-              <a:rPr lang="da-DK" sz="700" dirty="0">
-                <a:latin typeface="Arial" panose="020B0604020202020204" pitchFamily="34" charset="0"/>
-                <a:cs typeface="Arial" panose="020B0604020202020204" pitchFamily="34" charset="0"/>
-              </a:rPr>
-              <a:t>80 - 159</a:t>
-            </a:r>
-          </a:p>
-          <a:p>
-            <a:pPr>
-              <a:lnSpc>
-                <a:spcPct val="130000"/>
-              </a:lnSpc>
-            </a:pPr>
-            <a:r>
-              <a:rPr lang="da-DK" sz="700" dirty="0">
-                <a:latin typeface="Arial" panose="020B0604020202020204" pitchFamily="34" charset="0"/>
-                <a:cs typeface="Arial" panose="020B0604020202020204" pitchFamily="34" charset="0"/>
-              </a:rPr>
-              <a:t>&lt;= 79</a:t>
-            </a:r>
-          </a:p>
-        </p:txBody>
-      </p:sp>
-      <p:sp>
-        <p:nvSpPr>
           <p:cNvPr id="51" name="Rektangel 50">
             <a:extLst>
               <a:ext uri="{FF2B5EF4-FFF2-40B4-BE49-F238E27FC236}">
@@ -48121,6 +48016,156 @@
                 <a:cs typeface="Arial" panose="020B0604020202020204" pitchFamily="34" charset="0"/>
               </a:rPr>
               <a:t>Zealand Region</a:t>
+            </a:r>
+          </a:p>
+        </p:txBody>
+      </p:sp>
+      <p:sp>
+        <p:nvSpPr>
+          <p:cNvPr id="46" name="Tekstfelt 45">
+            <a:extLst>
+              <a:ext uri="{FF2B5EF4-FFF2-40B4-BE49-F238E27FC236}">
+                <a16:creationId xmlns:a16="http://schemas.microsoft.com/office/drawing/2014/main" id="{06A64DAA-2F1B-4E11-BF28-77DA0DC72674}"/>
+              </a:ext>
+            </a:extLst>
+          </p:cNvPr>
+          <p:cNvSpPr txBox="1"/>
+          <p:nvPr/>
+        </p:nvSpPr>
+        <p:spPr>
+          <a:xfrm>
+            <a:off x="5283792" y="1298076"/>
+            <a:ext cx="800375" cy="918008"/>
+          </a:xfrm>
+          <a:prstGeom prst="rect">
+            <a:avLst/>
+          </a:prstGeom>
+          <a:noFill/>
+        </p:spPr>
+        <p:txBody>
+          <a:bodyPr wrap="square" rtlCol="0">
+            <a:spAutoFit/>
+          </a:bodyPr>
+          <a:lstStyle/>
+          <a:p>
+            <a:pPr>
+              <a:lnSpc>
+                <a:spcPct val="130000"/>
+              </a:lnSpc>
+            </a:pPr>
+            <a:r>
+              <a:rPr lang="da-DK" sz="700" b="1" dirty="0">
+                <a:latin typeface="Arial" panose="020B0604020202020204" pitchFamily="34" charset="0"/>
+                <a:cs typeface="Arial" panose="020B0604020202020204" pitchFamily="34" charset="0"/>
+              </a:rPr>
+              <a:t>&gt; 1 pct.</a:t>
+            </a:r>
+          </a:p>
+          <a:p>
+            <a:pPr>
+              <a:lnSpc>
+                <a:spcPct val="130000"/>
+              </a:lnSpc>
+            </a:pPr>
+            <a:r>
+              <a:rPr lang="da-DK" sz="700" b="1" dirty="0">
+                <a:latin typeface="Arial" panose="020B0604020202020204" pitchFamily="34" charset="0"/>
+                <a:cs typeface="Arial" panose="020B0604020202020204" pitchFamily="34" charset="0"/>
+              </a:rPr>
+              <a:t>0.81 – 1 pct.</a:t>
+            </a:r>
+          </a:p>
+          <a:p>
+            <a:pPr>
+              <a:lnSpc>
+                <a:spcPct val="130000"/>
+              </a:lnSpc>
+            </a:pPr>
+            <a:r>
+              <a:rPr lang="da-DK" sz="700" b="1" dirty="0">
+                <a:latin typeface="Arial" panose="020B0604020202020204" pitchFamily="34" charset="0"/>
+                <a:cs typeface="Arial" panose="020B0604020202020204" pitchFamily="34" charset="0"/>
+              </a:rPr>
+              <a:t>0.61 – 0.8 pct.</a:t>
+            </a:r>
+          </a:p>
+          <a:p>
+            <a:pPr>
+              <a:lnSpc>
+                <a:spcPct val="130000"/>
+              </a:lnSpc>
+            </a:pPr>
+            <a:r>
+              <a:rPr lang="da-DK" sz="700" b="1" dirty="0">
+                <a:latin typeface="Arial" panose="020B0604020202020204" pitchFamily="34" charset="0"/>
+                <a:cs typeface="Arial" panose="020B0604020202020204" pitchFamily="34" charset="0"/>
+              </a:rPr>
+              <a:t>0.41 – 0.6 pct.</a:t>
+            </a:r>
+          </a:p>
+          <a:p>
+            <a:pPr>
+              <a:lnSpc>
+                <a:spcPct val="130000"/>
+              </a:lnSpc>
+            </a:pPr>
+            <a:r>
+              <a:rPr lang="da-DK" sz="700" b="1" dirty="0">
+                <a:latin typeface="Arial" panose="020B0604020202020204" pitchFamily="34" charset="0"/>
+                <a:cs typeface="Arial" panose="020B0604020202020204" pitchFamily="34" charset="0"/>
+              </a:rPr>
+              <a:t>0.21 – 0.4 pct.</a:t>
+            </a:r>
+          </a:p>
+          <a:p>
+            <a:pPr>
+              <a:lnSpc>
+                <a:spcPct val="130000"/>
+              </a:lnSpc>
+            </a:pPr>
+            <a:r>
+              <a:rPr lang="da-DK" sz="700" b="1" dirty="0">
+                <a:latin typeface="Arial" panose="020B0604020202020204" pitchFamily="34" charset="0"/>
+                <a:cs typeface="Arial" panose="020B0604020202020204" pitchFamily="34" charset="0"/>
+              </a:rPr>
+              <a:t>0 – 0.2 pct.</a:t>
+            </a:r>
+          </a:p>
+        </p:txBody>
+      </p:sp>
+      <p:sp>
+        <p:nvSpPr>
+          <p:cNvPr id="47" name="Rektangel 46">
+            <a:extLst>
+              <a:ext uri="{FF2B5EF4-FFF2-40B4-BE49-F238E27FC236}">
+                <a16:creationId xmlns:a16="http://schemas.microsoft.com/office/drawing/2014/main" id="{266314B4-9C9D-4F61-AE36-37E006FB112B}"/>
+              </a:ext>
+            </a:extLst>
+          </p:cNvPr>
+          <p:cNvSpPr/>
+          <p:nvPr/>
+        </p:nvSpPr>
+        <p:spPr>
+          <a:xfrm>
+            <a:off x="4021611" y="947941"/>
+            <a:ext cx="1043876" cy="369332"/>
+          </a:xfrm>
+          <a:prstGeom prst="rect">
+            <a:avLst/>
+          </a:prstGeom>
+        </p:spPr>
+        <p:txBody>
+          <a:bodyPr wrap="none">
+            <a:spAutoFit/>
+          </a:bodyPr>
+          <a:lstStyle/>
+          <a:p>
+            <a:r>
+              <a:rPr lang="da-DK" dirty="0">
+                <a:latin typeface="Arial" panose="020B0604020202020204" pitchFamily="34" charset="0"/>
+                <a:cs typeface="Arial" panose="020B0604020202020204" pitchFamily="34" charset="0"/>
+              </a:rPr>
+              <a:t>(b) 2020</a:t>
             </a:r>
           </a:p>
         </p:txBody>
